--- a/Project/EDocs_presentation.pptx
+++ b/Project/EDocs_presentation.pptx
@@ -106,7 +106,16 @@
       </a:defRPr>
     </a:lvl9pPr>
   </p:defaultTextStyle>
+  <p:extLst>
+    <p:ext uri="{EFAFB233-063F-42B5-8137-9DF3F51BA10A}">
+      <p15:sldGuideLst xmlns:p15="http://schemas.microsoft.com/office/powerpoint/2012/main"/>
+    </p:ext>
+  </p:extLst>
 </p:presentation>
+</file>
+
+<file path=ppt/revisionInfo.xml><?xml version="1.0" encoding="utf-8"?>
+<p1510:revInfo xmlns:a="http://purl.oclc.org/ooxml/drawingml/main" xmlns:r="http://purl.oclc.org/ooxml/officeDocument/relationships" xmlns:p1510="http://schemas.microsoft.com/office/powerpoint/2015/10/main"/>
 </file>
 
 <file path=ppt/slideLayouts/slideLayout1.xml><?xml version="1.0" encoding="utf-8"?>
@@ -3061,7 +3070,7 @@
         </p:spPr>
         <p:txBody>
           <a:bodyPr>
-            <a:normAutofit lnSpcReduction="10%"/>
+            <a:normAutofit/>
           </a:bodyPr>
           <a:lstStyle/>
           <a:p>
@@ -3069,7 +3078,7 @@
               <a:buNone/>
             </a:pPr>
             <a:r>
-              <a:rPr lang="en-US" b="1" dirty="0" err="1">
+              <a:rPr lang="en-US" sz="2400" b="1" dirty="0" err="1">
                 <a:solidFill>
                   <a:srgbClr val="FF5E00"/>
                 </a:solidFill>
@@ -3077,21 +3086,17 @@
               <a:t>Edocs</a:t>
             </a:r>
             <a:r>
-              <a:rPr lang="en-US" dirty="0"/>
+              <a:rPr lang="en-US" sz="2400" dirty="0"/>
               <a:t> is a system to store all the documents addressed to you in your unique secure account.</a:t>
             </a:r>
-            <a:endParaRPr lang="es-ES" dirty="0"/>
+            <a:endParaRPr lang="es-ES" sz="2400" dirty="0"/>
           </a:p>
           <a:p>
             <a:pPr marL="0" indent="0">
               <a:buNone/>
             </a:pPr>
             <a:r>
-              <a:rPr lang="en-US" dirty="0"/>
-              <a:t>Access to </a:t>
-            </a:r>
-            <a:r>
-              <a:rPr lang="en-US" b="1" dirty="0" err="1">
+              <a:rPr lang="en-US" sz="2400" b="1" dirty="0" err="1">
                 <a:solidFill>
                   <a:srgbClr val="FF5E00"/>
                 </a:solidFill>
@@ -3099,24 +3104,24 @@
               <a:t>Edocs</a:t>
             </a:r>
             <a:r>
-              <a:rPr lang="en-US" dirty="0"/>
-              <a:t> using your mobile or computer, download a document if you need it or resend it to a user or company</a:t>
-            </a:r>
-            <a:endParaRPr lang="es-ES" dirty="0"/>
+              <a:rPr lang="en-US" sz="2400" dirty="0"/>
+              <a:t> provides access to all your documents using your mobile or computer. Download or </a:t>
+            </a:r>
+            <a:r>
+              <a:rPr lang="en-US" sz="2400"/>
+              <a:t>resend them.</a:t>
+            </a:r>
+            <a:endParaRPr lang="es-ES" sz="2400" dirty="0"/>
           </a:p>
           <a:p>
             <a:pPr marL="0" indent="0">
               <a:buNone/>
             </a:pPr>
             <a:r>
-              <a:rPr lang="en-US" dirty="0"/>
-              <a:t>Bills, spectacle tickets, healthcare documents, flight boarding cards, friend documents or government documents… </a:t>
-            </a:r>
-            <a:r>
-              <a:rPr lang="en-US"/>
-              <a:t>any document!</a:t>
-            </a:r>
-            <a:endParaRPr lang="es-ES" dirty="0"/>
+              <a:rPr lang="en-US" sz="2400" dirty="0"/>
+              <a:t>Bills, entertainment tickets, healthcare documents, flight boarding cards, friend documents or government documents… any document!</a:t>
+            </a:r>
+            <a:endParaRPr lang="es-ES" sz="2400" dirty="0"/>
           </a:p>
         </p:txBody>
       </p:sp>

--- a/Project/EDocs_presentation.pptx
+++ b/Project/EDocs_presentation.pptx
@@ -247,7 +247,7 @@
           <a:p>
             <a:fld id="{2E455E3A-3752-4DF1-85A2-97465DB392ED}" type="datetimeFigureOut">
               <a:rPr lang="es-ES" smtClean="0"/>
-              <a:t>09/05/2017</a:t>
+              <a:t>10/05/2017</a:t>
             </a:fld>
             <a:endParaRPr lang="es-ES"/>
           </a:p>
@@ -415,7 +415,7 @@
           <a:p>
             <a:fld id="{2E455E3A-3752-4DF1-85A2-97465DB392ED}" type="datetimeFigureOut">
               <a:rPr lang="es-ES" smtClean="0"/>
-              <a:t>09/05/2017</a:t>
+              <a:t>10/05/2017</a:t>
             </a:fld>
             <a:endParaRPr lang="es-ES"/>
           </a:p>
@@ -593,7 +593,7 @@
           <a:p>
             <a:fld id="{2E455E3A-3752-4DF1-85A2-97465DB392ED}" type="datetimeFigureOut">
               <a:rPr lang="es-ES" smtClean="0"/>
-              <a:t>09/05/2017</a:t>
+              <a:t>10/05/2017</a:t>
             </a:fld>
             <a:endParaRPr lang="es-ES"/>
           </a:p>
@@ -761,7 +761,7 @@
           <a:p>
             <a:fld id="{2E455E3A-3752-4DF1-85A2-97465DB392ED}" type="datetimeFigureOut">
               <a:rPr lang="es-ES" smtClean="0"/>
-              <a:t>09/05/2017</a:t>
+              <a:t>10/05/2017</a:t>
             </a:fld>
             <a:endParaRPr lang="es-ES"/>
           </a:p>
@@ -1006,7 +1006,7 @@
           <a:p>
             <a:fld id="{2E455E3A-3752-4DF1-85A2-97465DB392ED}" type="datetimeFigureOut">
               <a:rPr lang="es-ES" smtClean="0"/>
-              <a:t>09/05/2017</a:t>
+              <a:t>10/05/2017</a:t>
             </a:fld>
             <a:endParaRPr lang="es-ES"/>
           </a:p>
@@ -1235,7 +1235,7 @@
           <a:p>
             <a:fld id="{2E455E3A-3752-4DF1-85A2-97465DB392ED}" type="datetimeFigureOut">
               <a:rPr lang="es-ES" smtClean="0"/>
-              <a:t>09/05/2017</a:t>
+              <a:t>10/05/2017</a:t>
             </a:fld>
             <a:endParaRPr lang="es-ES"/>
           </a:p>
@@ -1599,7 +1599,7 @@
           <a:p>
             <a:fld id="{2E455E3A-3752-4DF1-85A2-97465DB392ED}" type="datetimeFigureOut">
               <a:rPr lang="es-ES" smtClean="0"/>
-              <a:t>09/05/2017</a:t>
+              <a:t>10/05/2017</a:t>
             </a:fld>
             <a:endParaRPr lang="es-ES"/>
           </a:p>
@@ -1716,7 +1716,7 @@
           <a:p>
             <a:fld id="{2E455E3A-3752-4DF1-85A2-97465DB392ED}" type="datetimeFigureOut">
               <a:rPr lang="es-ES" smtClean="0"/>
-              <a:t>09/05/2017</a:t>
+              <a:t>10/05/2017</a:t>
             </a:fld>
             <a:endParaRPr lang="es-ES"/>
           </a:p>
@@ -1811,7 +1811,7 @@
           <a:p>
             <a:fld id="{2E455E3A-3752-4DF1-85A2-97465DB392ED}" type="datetimeFigureOut">
               <a:rPr lang="es-ES" smtClean="0"/>
-              <a:t>09/05/2017</a:t>
+              <a:t>10/05/2017</a:t>
             </a:fld>
             <a:endParaRPr lang="es-ES"/>
           </a:p>
@@ -2086,7 +2086,7 @@
           <a:p>
             <a:fld id="{2E455E3A-3752-4DF1-85A2-97465DB392ED}" type="datetimeFigureOut">
               <a:rPr lang="es-ES" smtClean="0"/>
-              <a:t>09/05/2017</a:t>
+              <a:t>10/05/2017</a:t>
             </a:fld>
             <a:endParaRPr lang="es-ES"/>
           </a:p>
@@ -2338,7 +2338,7 @@
           <a:p>
             <a:fld id="{2E455E3A-3752-4DF1-85A2-97465DB392ED}" type="datetimeFigureOut">
               <a:rPr lang="es-ES" smtClean="0"/>
-              <a:t>09/05/2017</a:t>
+              <a:t>10/05/2017</a:t>
             </a:fld>
             <a:endParaRPr lang="es-ES"/>
           </a:p>
@@ -2549,7 +2549,7 @@
           <a:p>
             <a:fld id="{2E455E3A-3752-4DF1-85A2-97465DB392ED}" type="datetimeFigureOut">
               <a:rPr lang="es-ES" smtClean="0"/>
-              <a:t>09/05/2017</a:t>
+              <a:t>10/05/2017</a:t>
             </a:fld>
             <a:endParaRPr lang="es-ES"/>
           </a:p>
@@ -2954,9 +2954,91 @@
           <a:chExt cx="0" cy="0"/>
         </a:xfrm>
       </p:grpSpPr>
+      <p:sp>
+        <p:nvSpPr>
+          <p:cNvPr id="4" name="CuadroTexto 3"/>
+          <p:cNvSpPr txBox="1"/>
+          <p:nvPr/>
+        </p:nvSpPr>
+        <p:spPr>
+          <a:xfrm>
+            <a:off x="7707087" y="3789014"/>
+            <a:ext cx="3548743" cy="523220"/>
+          </a:xfrm>
+          <a:prstGeom prst="rect">
+            <a:avLst/>
+          </a:prstGeom>
+          <a:noFill/>
+        </p:spPr>
+        <p:txBody>
+          <a:bodyPr wrap="square" rtlCol="0">
+            <a:spAutoFit/>
+          </a:bodyPr>
+          <a:lstStyle/>
+          <a:p>
+            <a:r>
+              <a:rPr lang="es-ES" sz="2800" dirty="0" err="1">
+                <a:effectLst>
+                  <a:outerShdw blurRad="38100" dist="38100" dir="2700000" algn="tl">
+                    <a:srgbClr val="000000">
+                      <a:alpha val="43.137%"/>
+                    </a:srgbClr>
+                  </a:outerShdw>
+                </a:effectLst>
+                <a:latin typeface="Verdana" panose="020B0604030504040204" pitchFamily="34" charset="0"/>
+                <a:ea typeface="Verdana" panose="020B0604030504040204" pitchFamily="34" charset="0"/>
+                <a:cs typeface="Verdana" panose="020B0604030504040204" pitchFamily="34" charset="0"/>
+              </a:rPr>
+              <a:t>Life</a:t>
+            </a:r>
+            <a:r>
+              <a:rPr lang="es-ES" sz="2800" dirty="0">
+                <a:effectLst>
+                  <a:outerShdw blurRad="38100" dist="38100" dir="2700000" algn="tl">
+                    <a:srgbClr val="000000">
+                      <a:alpha val="43.137%"/>
+                    </a:srgbClr>
+                  </a:outerShdw>
+                </a:effectLst>
+                <a:latin typeface="Verdana" panose="020B0604030504040204" pitchFamily="34" charset="0"/>
+                <a:ea typeface="Verdana" panose="020B0604030504040204" pitchFamily="34" charset="0"/>
+                <a:cs typeface="Verdana" panose="020B0604030504040204" pitchFamily="34" charset="0"/>
+              </a:rPr>
+              <a:t> </a:t>
+            </a:r>
+            <a:r>
+              <a:rPr lang="es-ES" sz="2800" dirty="0" err="1">
+                <a:effectLst>
+                  <a:outerShdw blurRad="38100" dist="38100" dir="2700000" algn="tl">
+                    <a:srgbClr val="000000">
+                      <a:alpha val="43.137%"/>
+                    </a:srgbClr>
+                  </a:outerShdw>
+                </a:effectLst>
+                <a:latin typeface="Verdana" panose="020B0604030504040204" pitchFamily="34" charset="0"/>
+                <a:ea typeface="Verdana" panose="020B0604030504040204" pitchFamily="34" charset="0"/>
+                <a:cs typeface="Verdana" panose="020B0604030504040204" pitchFamily="34" charset="0"/>
+              </a:rPr>
+              <a:t>simpler</a:t>
+            </a:r>
+            <a:endParaRPr lang="es-ES" sz="2800" dirty="0">
+              <a:effectLst>
+                <a:outerShdw blurRad="38100" dist="38100" dir="2700000" algn="tl">
+                  <a:srgbClr val="000000">
+                    <a:alpha val="43.137%"/>
+                  </a:srgbClr>
+                </a:outerShdw>
+              </a:effectLst>
+              <a:latin typeface="Verdana" panose="020B0604030504040204" pitchFamily="34" charset="0"/>
+              <a:ea typeface="Verdana" panose="020B0604030504040204" pitchFamily="34" charset="0"/>
+              <a:cs typeface="Verdana" panose="020B0604030504040204" pitchFamily="34" charset="0"/>
+            </a:endParaRPr>
+          </a:p>
+        </p:txBody>
+      </p:sp>
       <p:pic>
         <p:nvPicPr>
-          <p:cNvPr id="5" name="Imagen 4"/>
+          <p:cNvPr id="8" name="Imagen 7"/>
           <p:cNvPicPr>
             <a:picLocks noChangeAspect="1"/>
           </p:cNvPicPr>
@@ -2976,52 +3058,14 @@
         </p:blipFill>
         <p:spPr>
           <a:xfrm>
-            <a:off x="1287439" y="1621809"/>
-            <a:ext cx="3525861" cy="3525861"/>
+            <a:off x="2626813" y="1352447"/>
+            <a:ext cx="7439116" cy="2436567"/>
           </a:xfrm>
           <a:prstGeom prst="rect">
             <a:avLst/>
           </a:prstGeom>
         </p:spPr>
       </p:pic>
-      <p:sp>
-        <p:nvSpPr>
-          <p:cNvPr id="7" name="CuadroTexto 6"/>
-          <p:cNvSpPr txBox="1"/>
-          <p:nvPr/>
-        </p:nvSpPr>
-        <p:spPr>
-          <a:xfrm>
-            <a:off x="6261100" y="2599909"/>
-            <a:ext cx="4539343" cy="1569660"/>
-          </a:xfrm>
-          <a:prstGeom prst="rect">
-            <a:avLst/>
-          </a:prstGeom>
-          <a:noFill/>
-        </p:spPr>
-        <p:txBody>
-          <a:bodyPr wrap="square" rtlCol="0">
-            <a:spAutoFit/>
-          </a:bodyPr>
-          <a:lstStyle/>
-          <a:p>
-            <a:r>
-              <a:rPr lang="es-ES" sz="9600" dirty="0" err="1">
-                <a:solidFill>
-                  <a:srgbClr val="FF5E00"/>
-                </a:solidFill>
-              </a:rPr>
-              <a:t>Edocs</a:t>
-            </a:r>
-            <a:endParaRPr lang="es-ES" sz="9600" dirty="0">
-              <a:solidFill>
-                <a:srgbClr val="FF5E00"/>
-              </a:solidFill>
-            </a:endParaRPr>
-          </a:p>
-        </p:txBody>
-      </p:sp>
     </p:spTree>
     <p:extLst>
       <p:ext uri="{BB962C8B-B14F-4D97-AF65-F5344CB8AC3E}">
@@ -3064,8 +3108,8 @@
         </p:nvSpPr>
         <p:spPr>
           <a:xfrm>
-            <a:off x="852810" y="810985"/>
-            <a:ext cx="10446561" cy="2520044"/>
+            <a:off x="852810" y="1262743"/>
+            <a:ext cx="10446561" cy="2068286"/>
           </a:xfrm>
         </p:spPr>
         <p:txBody>
@@ -3083,11 +3127,11 @@
                   <a:srgbClr val="FF5E00"/>
                 </a:solidFill>
               </a:rPr>
-              <a:t>Edocs</a:t>
+              <a:t>EDocs</a:t>
             </a:r>
             <a:r>
               <a:rPr lang="en-US" sz="2400" dirty="0"/>
-              <a:t> is a system to store all the documents addressed to you in your unique secure account.</a:t>
+              <a:t> is a system to store all the documents addressed to a user in his unique secure account.</a:t>
             </a:r>
             <a:endParaRPr lang="es-ES" sz="2400" dirty="0"/>
           </a:p>
@@ -3095,33 +3139,30 @@
             <a:pPr marL="0" indent="0">
               <a:buNone/>
             </a:pPr>
+            <a:r>
+              <a:rPr lang="en-US" sz="2400" dirty="0"/>
+              <a:t>Companies</a:t>
+            </a:r>
+            <a:r>
+              <a:rPr lang="es-ES" sz="2400" dirty="0"/>
+              <a:t> </a:t>
+            </a:r>
+            <a:r>
+              <a:rPr lang="en-US" sz="2400" dirty="0"/>
+              <a:t>send to users documents in different ways; E-Mail, post, using their own apps… </a:t>
+            </a:r>
             <a:r>
               <a:rPr lang="en-US" sz="2400" b="1" dirty="0" err="1">
                 <a:solidFill>
                   <a:srgbClr val="FF5E00"/>
                 </a:solidFill>
               </a:rPr>
-              <a:t>Edocs</a:t>
+              <a:t>EDocs</a:t>
             </a:r>
             <a:r>
               <a:rPr lang="en-US" sz="2400" dirty="0"/>
-              <a:t> provides access to all your documents using your mobile or computer. Download or </a:t>
-            </a:r>
-            <a:r>
-              <a:rPr lang="en-US" sz="2400"/>
-              <a:t>resend them.</a:t>
-            </a:r>
-            <a:endParaRPr lang="es-ES" sz="2400" dirty="0"/>
-          </a:p>
-          <a:p>
-            <a:pPr marL="0" indent="0">
-              <a:buNone/>
-            </a:pPr>
-            <a:r>
-              <a:rPr lang="en-US" sz="2400" dirty="0"/>
-              <a:t>Bills, entertainment tickets, healthcare documents, flight boarding cards, friend documents or government documents… any document!</a:t>
-            </a:r>
-            <a:endParaRPr lang="es-ES" sz="2400" dirty="0"/>
+              <a:t> is a legal, safe and user controlled system where the companies that the user decide can send their documents.</a:t>
+            </a:r>
           </a:p>
         </p:txBody>
       </p:sp>
@@ -3848,16 +3889,65 @@
           </a:p>
         </p:txBody>
       </p:sp>
+      <p:sp>
+        <p:nvSpPr>
+          <p:cNvPr id="2" name="Rectángulo 1"/>
+          <p:cNvSpPr/>
+          <p:nvPr/>
+        </p:nvSpPr>
+        <p:spPr>
+          <a:xfrm>
+            <a:off x="852810" y="617018"/>
+            <a:ext cx="2672783" cy="584775"/>
+          </a:xfrm>
+          <a:prstGeom prst="rect">
+            <a:avLst/>
+          </a:prstGeom>
+        </p:spPr>
+        <p:txBody>
+          <a:bodyPr wrap="none">
+            <a:spAutoFit/>
+          </a:bodyPr>
+          <a:lstStyle/>
+          <a:p>
+            <a:r>
+              <a:rPr lang="en-US" sz="3200" b="1" dirty="0">
+                <a:solidFill>
+                  <a:srgbClr val="FF5E00"/>
+                </a:solidFill>
+              </a:rPr>
+              <a:t>What’s </a:t>
+            </a:r>
+            <a:r>
+              <a:rPr lang="en-US" sz="3200" b="1" dirty="0" err="1">
+                <a:solidFill>
+                  <a:srgbClr val="FF5E00"/>
+                </a:solidFill>
+              </a:rPr>
+              <a:t>EDocs</a:t>
+            </a:r>
+            <a:r>
+              <a:rPr lang="en-US" sz="3200" b="1" dirty="0">
+                <a:solidFill>
+                  <a:srgbClr val="FF5E00"/>
+                </a:solidFill>
+              </a:rPr>
+              <a:t>?</a:t>
+            </a:r>
+            <a:endParaRPr lang="es-ES" sz="3200" dirty="0"/>
+          </a:p>
+        </p:txBody>
+      </p:sp>
       <p:pic>
         <p:nvPicPr>
-          <p:cNvPr id="29" name="Imagen 28"/>
+          <p:cNvPr id="6" name="Imagen 5"/>
           <p:cNvPicPr>
             <a:picLocks noChangeAspect="1"/>
           </p:cNvPicPr>
           <p:nvPr/>
         </p:nvPicPr>
         <p:blipFill>
-          <a:blip r:embed="rId2">
+          <a:blip r:embed="rId10">
             <a:extLst>
               <a:ext uri="{28A0092B-C50C-407E-A947-70E740481C1C}">
                 <a14:useLocalDpi xmlns:a14="http://schemas.microsoft.com/office/drawing/2010/main" val="0"/>
@@ -3870,8 +3960,8 @@
         </p:blipFill>
         <p:spPr>
           <a:xfrm>
-            <a:off x="11489870" y="112485"/>
-            <a:ext cx="576945" cy="576945"/>
+            <a:off x="11469704" y="49638"/>
+            <a:ext cx="646094" cy="211618"/>
           </a:xfrm>
           <a:prstGeom prst="rect">
             <a:avLst/>
@@ -3908,9 +3998,166 @@
           <a:chExt cx="0" cy="0"/>
         </a:xfrm>
       </p:grpSpPr>
+      <p:sp>
+        <p:nvSpPr>
+          <p:cNvPr id="5" name="Rectángulo 4"/>
+          <p:cNvSpPr/>
+          <p:nvPr/>
+        </p:nvSpPr>
+        <p:spPr>
+          <a:xfrm>
+            <a:off x="852810" y="617018"/>
+            <a:ext cx="5517664" cy="584775"/>
+          </a:xfrm>
+          <a:prstGeom prst="rect">
+            <a:avLst/>
+          </a:prstGeom>
+        </p:spPr>
+        <p:txBody>
+          <a:bodyPr wrap="none">
+            <a:spAutoFit/>
+          </a:bodyPr>
+          <a:lstStyle/>
+          <a:p>
+            <a:r>
+              <a:rPr lang="en-US" sz="3200" b="1" dirty="0">
+                <a:solidFill>
+                  <a:srgbClr val="FF5E00"/>
+                </a:solidFill>
+              </a:rPr>
+              <a:t>What features will have </a:t>
+            </a:r>
+            <a:r>
+              <a:rPr lang="en-US" sz="3200" b="1" dirty="0" err="1">
+                <a:solidFill>
+                  <a:srgbClr val="FF5E00"/>
+                </a:solidFill>
+              </a:rPr>
+              <a:t>EDocs</a:t>
+            </a:r>
+            <a:r>
+              <a:rPr lang="en-US" sz="3200" b="1" dirty="0">
+                <a:solidFill>
+                  <a:srgbClr val="FF5E00"/>
+                </a:solidFill>
+              </a:rPr>
+              <a:t>?</a:t>
+            </a:r>
+            <a:endParaRPr lang="es-ES" sz="3200" dirty="0"/>
+          </a:p>
+        </p:txBody>
+      </p:sp>
+      <p:sp>
+        <p:nvSpPr>
+          <p:cNvPr id="6" name="Marcador de contenido 2"/>
+          <p:cNvSpPr>
+            <a:spLocks noGrp="1"/>
+          </p:cNvSpPr>
+          <p:nvPr>
+            <p:ph idx="1"/>
+          </p:nvPr>
+        </p:nvSpPr>
+        <p:spPr>
+          <a:xfrm>
+            <a:off x="852810" y="1262743"/>
+            <a:ext cx="10446561" cy="4669972"/>
+          </a:xfrm>
+        </p:spPr>
+        <p:txBody>
+          <a:bodyPr>
+            <a:normAutofit/>
+          </a:bodyPr>
+          <a:lstStyle/>
+          <a:p>
+            <a:r>
+              <a:rPr lang="en-US" sz="2400" dirty="0"/>
+              <a:t>User</a:t>
+            </a:r>
+          </a:p>
+          <a:p>
+            <a:pPr lvl="1"/>
+            <a:r>
+              <a:rPr lang="en-US" sz="2000" dirty="0"/>
+              <a:t>Registration and login</a:t>
+            </a:r>
+          </a:p>
+          <a:p>
+            <a:pPr lvl="1"/>
+            <a:r>
+              <a:rPr lang="en-US" sz="2000" dirty="0"/>
+              <a:t>Accept privilege for transaction</a:t>
+            </a:r>
+          </a:p>
+          <a:p>
+            <a:pPr lvl="1"/>
+            <a:r>
+              <a:rPr lang="en-US" sz="2000" dirty="0"/>
+              <a:t>Document organization</a:t>
+            </a:r>
+          </a:p>
+          <a:p>
+            <a:pPr lvl="1"/>
+            <a:r>
+              <a:rPr lang="en-US" sz="2000" dirty="0"/>
+              <a:t>Document visualization</a:t>
+            </a:r>
+          </a:p>
+          <a:p>
+            <a:pPr lvl="1"/>
+            <a:r>
+              <a:rPr lang="en-US" sz="2000" dirty="0"/>
+              <a:t>Document Downloading</a:t>
+            </a:r>
+          </a:p>
+          <a:p>
+            <a:pPr lvl="1"/>
+            <a:r>
+              <a:rPr lang="en-US" sz="2000" dirty="0"/>
+              <a:t>List of companies that requested for transaction and actual status</a:t>
+            </a:r>
+          </a:p>
+          <a:p>
+            <a:r>
+              <a:rPr lang="en-US" sz="2400" dirty="0"/>
+              <a:t>Company </a:t>
+            </a:r>
+          </a:p>
+          <a:p>
+            <a:pPr lvl="1"/>
+            <a:r>
+              <a:rPr lang="en-US" sz="2000" dirty="0"/>
+              <a:t>Registration and Login</a:t>
+            </a:r>
+          </a:p>
+          <a:p>
+            <a:pPr lvl="1"/>
+            <a:r>
+              <a:rPr lang="en-US" sz="2000" dirty="0"/>
+              <a:t>Request privilege for transaction</a:t>
+            </a:r>
+          </a:p>
+          <a:p>
+            <a:pPr lvl="1"/>
+            <a:r>
+              <a:rPr lang="en-US" sz="2000" dirty="0"/>
+              <a:t>Send document</a:t>
+            </a:r>
+          </a:p>
+          <a:p>
+            <a:pPr lvl="1"/>
+            <a:r>
+              <a:rPr lang="en-US" sz="2000" dirty="0"/>
+              <a:t>List of users who has been requested the transaction and actual status</a:t>
+            </a:r>
+          </a:p>
+          <a:p>
+            <a:endParaRPr lang="en-US" sz="2400" dirty="0"/>
+          </a:p>
+        </p:txBody>
+      </p:sp>
       <p:pic>
         <p:nvPicPr>
-          <p:cNvPr id="4" name="Imagen 3"/>
+          <p:cNvPr id="13" name="Imagen 12"/>
           <p:cNvPicPr>
             <a:picLocks noChangeAspect="1"/>
           </p:cNvPicPr>
@@ -3930,8 +4177,8 @@
         </p:blipFill>
         <p:spPr>
           <a:xfrm>
-            <a:off x="11489870" y="112485"/>
-            <a:ext cx="576945" cy="576945"/>
+            <a:off x="11469704" y="49638"/>
+            <a:ext cx="646094" cy="211618"/>
           </a:xfrm>
           <a:prstGeom prst="rect">
             <a:avLst/>

--- a/Project/EDocs_presentation.pptx
+++ b/Project/EDocs_presentation.pptx
@@ -247,7 +247,7 @@
           <a:p>
             <a:fld id="{2E455E3A-3752-4DF1-85A2-97465DB392ED}" type="datetimeFigureOut">
               <a:rPr lang="es-ES" smtClean="0"/>
-              <a:t>10/05/2017</a:t>
+              <a:t>12/05/2017</a:t>
             </a:fld>
             <a:endParaRPr lang="es-ES"/>
           </a:p>
@@ -415,7 +415,7 @@
           <a:p>
             <a:fld id="{2E455E3A-3752-4DF1-85A2-97465DB392ED}" type="datetimeFigureOut">
               <a:rPr lang="es-ES" smtClean="0"/>
-              <a:t>10/05/2017</a:t>
+              <a:t>12/05/2017</a:t>
             </a:fld>
             <a:endParaRPr lang="es-ES"/>
           </a:p>
@@ -593,7 +593,7 @@
           <a:p>
             <a:fld id="{2E455E3A-3752-4DF1-85A2-97465DB392ED}" type="datetimeFigureOut">
               <a:rPr lang="es-ES" smtClean="0"/>
-              <a:t>10/05/2017</a:t>
+              <a:t>12/05/2017</a:t>
             </a:fld>
             <a:endParaRPr lang="es-ES"/>
           </a:p>
@@ -761,7 +761,7 @@
           <a:p>
             <a:fld id="{2E455E3A-3752-4DF1-85A2-97465DB392ED}" type="datetimeFigureOut">
               <a:rPr lang="es-ES" smtClean="0"/>
-              <a:t>10/05/2017</a:t>
+              <a:t>12/05/2017</a:t>
             </a:fld>
             <a:endParaRPr lang="es-ES"/>
           </a:p>
@@ -1006,7 +1006,7 @@
           <a:p>
             <a:fld id="{2E455E3A-3752-4DF1-85A2-97465DB392ED}" type="datetimeFigureOut">
               <a:rPr lang="es-ES" smtClean="0"/>
-              <a:t>10/05/2017</a:t>
+              <a:t>12/05/2017</a:t>
             </a:fld>
             <a:endParaRPr lang="es-ES"/>
           </a:p>
@@ -1235,7 +1235,7 @@
           <a:p>
             <a:fld id="{2E455E3A-3752-4DF1-85A2-97465DB392ED}" type="datetimeFigureOut">
               <a:rPr lang="es-ES" smtClean="0"/>
-              <a:t>10/05/2017</a:t>
+              <a:t>12/05/2017</a:t>
             </a:fld>
             <a:endParaRPr lang="es-ES"/>
           </a:p>
@@ -1599,7 +1599,7 @@
           <a:p>
             <a:fld id="{2E455E3A-3752-4DF1-85A2-97465DB392ED}" type="datetimeFigureOut">
               <a:rPr lang="es-ES" smtClean="0"/>
-              <a:t>10/05/2017</a:t>
+              <a:t>12/05/2017</a:t>
             </a:fld>
             <a:endParaRPr lang="es-ES"/>
           </a:p>
@@ -1716,7 +1716,7 @@
           <a:p>
             <a:fld id="{2E455E3A-3752-4DF1-85A2-97465DB392ED}" type="datetimeFigureOut">
               <a:rPr lang="es-ES" smtClean="0"/>
-              <a:t>10/05/2017</a:t>
+              <a:t>12/05/2017</a:t>
             </a:fld>
             <a:endParaRPr lang="es-ES"/>
           </a:p>
@@ -1811,7 +1811,7 @@
           <a:p>
             <a:fld id="{2E455E3A-3752-4DF1-85A2-97465DB392ED}" type="datetimeFigureOut">
               <a:rPr lang="es-ES" smtClean="0"/>
-              <a:t>10/05/2017</a:t>
+              <a:t>12/05/2017</a:t>
             </a:fld>
             <a:endParaRPr lang="es-ES"/>
           </a:p>
@@ -2086,7 +2086,7 @@
           <a:p>
             <a:fld id="{2E455E3A-3752-4DF1-85A2-97465DB392ED}" type="datetimeFigureOut">
               <a:rPr lang="es-ES" smtClean="0"/>
-              <a:t>10/05/2017</a:t>
+              <a:t>12/05/2017</a:t>
             </a:fld>
             <a:endParaRPr lang="es-ES"/>
           </a:p>
@@ -2338,7 +2338,7 @@
           <a:p>
             <a:fld id="{2E455E3A-3752-4DF1-85A2-97465DB392ED}" type="datetimeFigureOut">
               <a:rPr lang="es-ES" smtClean="0"/>
-              <a:t>10/05/2017</a:t>
+              <a:t>12/05/2017</a:t>
             </a:fld>
             <a:endParaRPr lang="es-ES"/>
           </a:p>
@@ -2549,7 +2549,7 @@
           <a:p>
             <a:fld id="{2E455E3A-3752-4DF1-85A2-97465DB392ED}" type="datetimeFigureOut">
               <a:rPr lang="es-ES" smtClean="0"/>
-              <a:t>10/05/2017</a:t>
+              <a:t>12/05/2017</a:t>
             </a:fld>
             <a:endParaRPr lang="es-ES"/>
           </a:p>
@@ -3161,7 +3161,7 @@
             </a:r>
             <a:r>
               <a:rPr lang="en-US" sz="2400" dirty="0"/>
-              <a:t> is a legal, safe and user controlled system where the companies that the user decide can send their documents.</a:t>
+              <a:t> is a legal, safe and user controlled system where the companies can send to the user their documents if the user allows it.</a:t>
             </a:r>
           </a:p>
         </p:txBody>
@@ -4113,7 +4113,7 @@
             <a:pPr lvl="1"/>
             <a:r>
               <a:rPr lang="en-US" sz="2000" dirty="0"/>
-              <a:t>List of companies that requested for transaction and actual status</a:t>
+              <a:t>List of companies that requested for transaction and status of the request</a:t>
             </a:r>
           </a:p>
           <a:p>
@@ -4147,7 +4147,7 @@
             <a:pPr lvl="1"/>
             <a:r>
               <a:rPr lang="en-US" sz="2000" dirty="0"/>
-              <a:t>List of users who has been requested the transaction and actual status</a:t>
+              <a:t>List of users who has been requested the transaction and status of the request</a:t>
             </a:r>
           </a:p>
           <a:p>
